--- a/CalendarioAgo25/presentaciones/19_Modulo_re.pptx
+++ b/CalendarioAgo25/presentaciones/19_Modulo_re.pptx
@@ -168,6 +168,66 @@
 </p:presentation>
 </file>
 
+<file path=ppt/changesInfos/changesInfo1.xml><?xml version="1.0" encoding="utf-8"?>
+<pc:chgInfo xmlns:a="http://schemas.openxmlformats.org/drawingml/2006/main" xmlns:r="http://schemas.openxmlformats.org/officeDocument/2006/relationships" xmlns:ac="http://schemas.microsoft.com/office/drawing/2013/main/command" xmlns:pc="http://schemas.microsoft.com/office/powerpoint/2013/main/command">
+  <pc:docChgLst>
+    <pc:chgData name="Lizethe Pérez Fuertes" userId="4ae9ef87-2a7d-42f8-8dfa-0a501a9e2ff4" providerId="ADAL" clId="{FDDD45CB-1330-4033-A842-3D2746AFF7C7}"/>
+    <pc:docChg chg="modSld">
+      <pc:chgData name="Lizethe Pérez Fuertes" userId="4ae9ef87-2a7d-42f8-8dfa-0a501a9e2ff4" providerId="ADAL" clId="{FDDD45CB-1330-4033-A842-3D2746AFF7C7}" dt="2025-09-04T21:41:59.891" v="18" actId="6549"/>
+      <pc:docMkLst>
+        <pc:docMk/>
+      </pc:docMkLst>
+      <pc:sldChg chg="modSp mod">
+        <pc:chgData name="Lizethe Pérez Fuertes" userId="4ae9ef87-2a7d-42f8-8dfa-0a501a9e2ff4" providerId="ADAL" clId="{FDDD45CB-1330-4033-A842-3D2746AFF7C7}" dt="2025-09-04T21:41:34.725" v="14" actId="6549"/>
+        <pc:sldMkLst>
+          <pc:docMk/>
+          <pc:sldMk cId="658639050" sldId="620"/>
+        </pc:sldMkLst>
+        <pc:spChg chg="mod">
+          <ac:chgData name="Lizethe Pérez Fuertes" userId="4ae9ef87-2a7d-42f8-8dfa-0a501a9e2ff4" providerId="ADAL" clId="{FDDD45CB-1330-4033-A842-3D2746AFF7C7}" dt="2025-09-04T21:41:34.725" v="14" actId="6549"/>
+          <ac:spMkLst>
+            <pc:docMk/>
+            <pc:sldMk cId="658639050" sldId="620"/>
+            <ac:spMk id="7" creationId="{0CE5AA9D-354E-4C31-88A9-A48B5A9BA280}"/>
+          </ac:spMkLst>
+        </pc:spChg>
+        <pc:spChg chg="mod">
+          <ac:chgData name="Lizethe Pérez Fuertes" userId="4ae9ef87-2a7d-42f8-8dfa-0a501a9e2ff4" providerId="ADAL" clId="{FDDD45CB-1330-4033-A842-3D2746AFF7C7}" dt="2025-09-04T21:41:09.855" v="4" actId="1076"/>
+          <ac:spMkLst>
+            <pc:docMk/>
+            <pc:sldMk cId="658639050" sldId="620"/>
+            <ac:spMk id="8" creationId="{E64D28A7-B772-479A-8C51-15D9FA37942C}"/>
+          </ac:spMkLst>
+        </pc:spChg>
+      </pc:sldChg>
+      <pc:sldChg chg="modSp mod">
+        <pc:chgData name="Lizethe Pérez Fuertes" userId="4ae9ef87-2a7d-42f8-8dfa-0a501a9e2ff4" providerId="ADAL" clId="{FDDD45CB-1330-4033-A842-3D2746AFF7C7}" dt="2025-09-04T21:41:59.891" v="18" actId="6549"/>
+        <pc:sldMkLst>
+          <pc:docMk/>
+          <pc:sldMk cId="1023280360" sldId="622"/>
+        </pc:sldMkLst>
+        <pc:spChg chg="mod">
+          <ac:chgData name="Lizethe Pérez Fuertes" userId="4ae9ef87-2a7d-42f8-8dfa-0a501a9e2ff4" providerId="ADAL" clId="{FDDD45CB-1330-4033-A842-3D2746AFF7C7}" dt="2025-09-04T21:41:26.135" v="10" actId="20577"/>
+          <ac:spMkLst>
+            <pc:docMk/>
+            <pc:sldMk cId="1023280360" sldId="622"/>
+            <ac:spMk id="7" creationId="{0CE5AA9D-354E-4C31-88A9-A48B5A9BA280}"/>
+          </ac:spMkLst>
+        </pc:spChg>
+        <pc:spChg chg="mod">
+          <ac:chgData name="Lizethe Pérez Fuertes" userId="4ae9ef87-2a7d-42f8-8dfa-0a501a9e2ff4" providerId="ADAL" clId="{FDDD45CB-1330-4033-A842-3D2746AFF7C7}" dt="2025-09-04T21:41:59.891" v="18" actId="6549"/>
+          <ac:spMkLst>
+            <pc:docMk/>
+            <pc:sldMk cId="1023280360" sldId="622"/>
+            <ac:spMk id="9" creationId="{76FC9DB1-1D4E-44EE-8254-09FCD9F2EB65}"/>
+          </ac:spMkLst>
+        </pc:spChg>
+      </pc:sldChg>
+    </pc:docChg>
+  </pc:docChgLst>
+</pc:chgInfo>
+</file>
+
 <file path=ppt/notesMasters/notesMaster1.xml><?xml version="1.0" encoding="utf-8"?>
 <p:notesMaster xmlns:a="http://schemas.openxmlformats.org/drawingml/2006/main" xmlns:r="http://schemas.openxmlformats.org/officeDocument/2006/relationships" xmlns:p="http://schemas.openxmlformats.org/presentationml/2006/main">
   <p:cSld>
@@ -250,7 +310,7 @@
           <a:p>
             <a:fld id="{DDE721D5-655F-45D2-B717-3C4CD78C8568}" type="datetimeFigureOut">
               <a:rPr lang="es-MX" smtClean="0"/>
-              <a:t>06/03/2025</a:t>
+              <a:t>04/09/2025</a:t>
             </a:fld>
             <a:endParaRPr lang="es-MX" dirty="0"/>
           </a:p>
@@ -409,7 +469,7 @@
           <a:p>
             <a:fld id="{6BAB4312-99A1-4CE9-ACE7-4C62E9FD90EE}" type="slidenum">
               <a:rPr lang="es-MX" smtClean="0"/>
-              <a:t>‹#›</a:t>
+              <a:t>‹Nº›</a:t>
             </a:fld>
             <a:endParaRPr lang="es-MX" dirty="0"/>
           </a:p>
@@ -4143,7 +4203,7 @@
           <a:p>
             <a:fld id="{B3F3E716-CACC-4490-AD07-F24B6A68DE47}" type="datetimeFigureOut">
               <a:rPr lang="es-MX" smtClean="0"/>
-              <a:t>06/03/2025</a:t>
+              <a:t>04/09/2025</a:t>
             </a:fld>
             <a:endParaRPr lang="es-MX" dirty="0"/>
           </a:p>
@@ -4185,7 +4245,7 @@
           <a:p>
             <a:fld id="{52A58D3C-5A37-463D-B2C9-8DF65AE0B01C}" type="slidenum">
               <a:rPr lang="es-MX" smtClean="0"/>
-              <a:t>‹#›</a:t>
+              <a:t>‹Nº›</a:t>
             </a:fld>
             <a:endParaRPr lang="es-MX" dirty="0"/>
           </a:p>
@@ -4313,7 +4373,7 @@
           <a:p>
             <a:fld id="{B3F3E716-CACC-4490-AD07-F24B6A68DE47}" type="datetimeFigureOut">
               <a:rPr lang="es-MX" smtClean="0"/>
-              <a:t>06/03/2025</a:t>
+              <a:t>04/09/2025</a:t>
             </a:fld>
             <a:endParaRPr lang="es-MX" dirty="0"/>
           </a:p>
@@ -4355,7 +4415,7 @@
           <a:p>
             <a:fld id="{52A58D3C-5A37-463D-B2C9-8DF65AE0B01C}" type="slidenum">
               <a:rPr lang="es-MX" smtClean="0"/>
-              <a:t>‹#›</a:t>
+              <a:t>‹Nº›</a:t>
             </a:fld>
             <a:endParaRPr lang="es-MX" dirty="0"/>
           </a:p>
@@ -4493,7 +4553,7 @@
           <a:p>
             <a:fld id="{B3F3E716-CACC-4490-AD07-F24B6A68DE47}" type="datetimeFigureOut">
               <a:rPr lang="es-MX" smtClean="0"/>
-              <a:t>06/03/2025</a:t>
+              <a:t>04/09/2025</a:t>
             </a:fld>
             <a:endParaRPr lang="es-MX" dirty="0"/>
           </a:p>
@@ -4535,7 +4595,7 @@
           <a:p>
             <a:fld id="{52A58D3C-5A37-463D-B2C9-8DF65AE0B01C}" type="slidenum">
               <a:rPr lang="es-MX" smtClean="0"/>
-              <a:t>‹#›</a:t>
+              <a:t>‹Nº›</a:t>
             </a:fld>
             <a:endParaRPr lang="es-MX" dirty="0"/>
           </a:p>
@@ -4646,7 +4706,7 @@
           <a:p>
             <a:fld id="{1D8BD707-D9CF-40AE-B4C6-C98DA3205C09}" type="datetimeFigureOut">
               <a:rPr lang="en-US" smtClean="0"/>
-              <a:t>3/6/2025</a:t>
+              <a:t>9/4/2025</a:t>
             </a:fld>
             <a:endParaRPr lang="en-US" dirty="0"/>
           </a:p>
@@ -4676,7 +4736,7 @@
                 <a:cs typeface="Calibri"/>
               </a:rPr>
               <a:pPr marL="25400"/>
-              <a:t>‹#›</a:t>
+              <a:t>‹Nº›</a:t>
             </a:fld>
             <a:endParaRPr lang="es-MX" dirty="0">
               <a:cs typeface="Calibri"/>
@@ -4806,7 +4866,7 @@
           <a:p>
             <a:fld id="{B3F3E716-CACC-4490-AD07-F24B6A68DE47}" type="datetimeFigureOut">
               <a:rPr lang="es-MX" smtClean="0"/>
-              <a:t>06/03/2025</a:t>
+              <a:t>04/09/2025</a:t>
             </a:fld>
             <a:endParaRPr lang="es-MX" dirty="0"/>
           </a:p>
@@ -4848,7 +4908,7 @@
           <a:p>
             <a:fld id="{52A58D3C-5A37-463D-B2C9-8DF65AE0B01C}" type="slidenum">
               <a:rPr lang="es-MX" smtClean="0"/>
-              <a:t>‹#›</a:t>
+              <a:t>‹Nº›</a:t>
             </a:fld>
             <a:endParaRPr lang="es-MX" dirty="0"/>
           </a:p>
@@ -5052,7 +5112,7 @@
           <a:p>
             <a:fld id="{B3F3E716-CACC-4490-AD07-F24B6A68DE47}" type="datetimeFigureOut">
               <a:rPr lang="es-MX" smtClean="0"/>
-              <a:t>06/03/2025</a:t>
+              <a:t>04/09/2025</a:t>
             </a:fld>
             <a:endParaRPr lang="es-MX" dirty="0"/>
           </a:p>
@@ -5094,7 +5154,7 @@
           <a:p>
             <a:fld id="{52A58D3C-5A37-463D-B2C9-8DF65AE0B01C}" type="slidenum">
               <a:rPr lang="es-MX" smtClean="0"/>
-              <a:t>‹#›</a:t>
+              <a:t>‹Nº›</a:t>
             </a:fld>
             <a:endParaRPr lang="es-MX" dirty="0"/>
           </a:p>
@@ -5340,7 +5400,7 @@
           <a:p>
             <a:fld id="{B3F3E716-CACC-4490-AD07-F24B6A68DE47}" type="datetimeFigureOut">
               <a:rPr lang="es-MX" smtClean="0"/>
-              <a:t>06/03/2025</a:t>
+              <a:t>04/09/2025</a:t>
             </a:fld>
             <a:endParaRPr lang="es-MX" dirty="0"/>
           </a:p>
@@ -5382,7 +5442,7 @@
           <a:p>
             <a:fld id="{52A58D3C-5A37-463D-B2C9-8DF65AE0B01C}" type="slidenum">
               <a:rPr lang="es-MX" smtClean="0"/>
-              <a:t>‹#›</a:t>
+              <a:t>‹Nº›</a:t>
             </a:fld>
             <a:endParaRPr lang="es-MX" dirty="0"/>
           </a:p>
@@ -5762,7 +5822,7 @@
           <a:p>
             <a:fld id="{B3F3E716-CACC-4490-AD07-F24B6A68DE47}" type="datetimeFigureOut">
               <a:rPr lang="es-MX" smtClean="0"/>
-              <a:t>06/03/2025</a:t>
+              <a:t>04/09/2025</a:t>
             </a:fld>
             <a:endParaRPr lang="es-MX" dirty="0"/>
           </a:p>
@@ -5804,7 +5864,7 @@
           <a:p>
             <a:fld id="{52A58D3C-5A37-463D-B2C9-8DF65AE0B01C}" type="slidenum">
               <a:rPr lang="es-MX" smtClean="0"/>
-              <a:t>‹#›</a:t>
+              <a:t>‹Nº›</a:t>
             </a:fld>
             <a:endParaRPr lang="es-MX" dirty="0"/>
           </a:p>
@@ -5880,7 +5940,7 @@
           <a:p>
             <a:fld id="{B3F3E716-CACC-4490-AD07-F24B6A68DE47}" type="datetimeFigureOut">
               <a:rPr lang="es-MX" smtClean="0"/>
-              <a:t>06/03/2025</a:t>
+              <a:t>04/09/2025</a:t>
             </a:fld>
             <a:endParaRPr lang="es-MX" dirty="0"/>
           </a:p>
@@ -5922,7 +5982,7 @@
           <a:p>
             <a:fld id="{52A58D3C-5A37-463D-B2C9-8DF65AE0B01C}" type="slidenum">
               <a:rPr lang="es-MX" smtClean="0"/>
-              <a:t>‹#›</a:t>
+              <a:t>‹Nº›</a:t>
             </a:fld>
             <a:endParaRPr lang="es-MX" dirty="0"/>
           </a:p>
@@ -5975,7 +6035,7 @@
           <a:p>
             <a:fld id="{B3F3E716-CACC-4490-AD07-F24B6A68DE47}" type="datetimeFigureOut">
               <a:rPr lang="es-MX" smtClean="0"/>
-              <a:t>06/03/2025</a:t>
+              <a:t>04/09/2025</a:t>
             </a:fld>
             <a:endParaRPr lang="es-MX" dirty="0"/>
           </a:p>
@@ -6017,7 +6077,7 @@
           <a:p>
             <a:fld id="{52A58D3C-5A37-463D-B2C9-8DF65AE0B01C}" type="slidenum">
               <a:rPr lang="es-MX" smtClean="0"/>
-              <a:t>‹#›</a:t>
+              <a:t>‹Nº›</a:t>
             </a:fld>
             <a:endParaRPr lang="es-MX" dirty="0"/>
           </a:p>
@@ -6252,7 +6312,7 @@
           <a:p>
             <a:fld id="{B3F3E716-CACC-4490-AD07-F24B6A68DE47}" type="datetimeFigureOut">
               <a:rPr lang="es-MX" smtClean="0"/>
-              <a:t>06/03/2025</a:t>
+              <a:t>04/09/2025</a:t>
             </a:fld>
             <a:endParaRPr lang="es-MX" dirty="0"/>
           </a:p>
@@ -6294,7 +6354,7 @@
           <a:p>
             <a:fld id="{52A58D3C-5A37-463D-B2C9-8DF65AE0B01C}" type="slidenum">
               <a:rPr lang="es-MX" smtClean="0"/>
-              <a:t>‹#›</a:t>
+              <a:t>‹Nº›</a:t>
             </a:fld>
             <a:endParaRPr lang="es-MX" dirty="0"/>
           </a:p>
@@ -6505,7 +6565,7 @@
           <a:p>
             <a:fld id="{B3F3E716-CACC-4490-AD07-F24B6A68DE47}" type="datetimeFigureOut">
               <a:rPr lang="es-MX" smtClean="0"/>
-              <a:t>06/03/2025</a:t>
+              <a:t>04/09/2025</a:t>
             </a:fld>
             <a:endParaRPr lang="es-MX" dirty="0"/>
           </a:p>
@@ -6547,7 +6607,7 @@
           <a:p>
             <a:fld id="{52A58D3C-5A37-463D-B2C9-8DF65AE0B01C}" type="slidenum">
               <a:rPr lang="es-MX" smtClean="0"/>
-              <a:t>‹#›</a:t>
+              <a:t>‹Nº›</a:t>
             </a:fld>
             <a:endParaRPr lang="es-MX" dirty="0"/>
           </a:p>
@@ -6718,7 +6778,7 @@
           <a:p>
             <a:fld id="{B3F3E716-CACC-4490-AD07-F24B6A68DE47}" type="datetimeFigureOut">
               <a:rPr lang="es-MX" smtClean="0"/>
-              <a:t>06/03/2025</a:t>
+              <a:t>04/09/2025</a:t>
             </a:fld>
             <a:endParaRPr lang="es-MX" dirty="0"/>
           </a:p>
@@ -6796,7 +6856,7 @@
           <a:p>
             <a:fld id="{52A58D3C-5A37-463D-B2C9-8DF65AE0B01C}" type="slidenum">
               <a:rPr lang="es-MX" smtClean="0"/>
-              <a:t>‹#›</a:t>
+              <a:t>‹Nº›</a:t>
             </a:fld>
             <a:endParaRPr lang="es-MX" dirty="0"/>
           </a:p>
@@ -13145,24 +13205,23 @@
               <a:t>Escanea todo el texto buscando cualquier ubicación donde coincida la expresión regular. Devuelve un objeto </a:t>
             </a:r>
             <a:r>
-              <a:rPr lang="es-ES" b="0" i="0" dirty="0" err="1">
+              <a:rPr lang="es-ES" dirty="0">
+                <a:solidFill>
+                  <a:srgbClr val="000000"/>
+                </a:solidFill>
+                <a:latin typeface="inherit"/>
+              </a:rPr>
+              <a:t>M</a:t>
+            </a:r>
+            <a:r>
+              <a:rPr lang="es-ES" b="0" i="0" dirty="0">
                 <a:solidFill>
                   <a:srgbClr val="000000"/>
                 </a:solidFill>
                 <a:effectLst/>
                 <a:latin typeface="inherit"/>
               </a:rPr>
-              <a:t>math</a:t>
-            </a:r>
-            <a:r>
-              <a:rPr lang="es-ES" b="0" i="0" dirty="0">
-                <a:solidFill>
-                  <a:srgbClr val="000000"/>
-                </a:solidFill>
-                <a:effectLst/>
-                <a:latin typeface="inherit"/>
-              </a:rPr>
-              <a:t>.</a:t>
+              <a:t>atch.</a:t>
             </a:r>
           </a:p>
           <a:p>
@@ -13258,8 +13317,8 @@
         </p:nvSpPr>
         <p:spPr>
           <a:xfrm>
-            <a:off x="575233" y="4913123"/>
-            <a:ext cx="7617742" cy="833305"/>
+            <a:off x="639687" y="4869160"/>
+            <a:ext cx="7704857" cy="833305"/>
           </a:xfrm>
           <a:prstGeom prst="rect">
             <a:avLst/>
@@ -17241,12 +17300,12 @@
               <a:t>Un </a:t>
             </a:r>
             <a:r>
-              <a:rPr lang="es-ES" sz="2000" b="1" dirty="0">
+              <a:rPr lang="es-ES" sz="2000" b="1">
                 <a:solidFill>
                   <a:srgbClr val="FF0000"/>
                 </a:solidFill>
               </a:rPr>
-              <a:t>objeto match </a:t>
+              <a:t>objeto Match </a:t>
             </a:r>
             <a:r>
               <a:rPr lang="es-ES" sz="2000" dirty="0">
